--- a/presentation.pptx
+++ b/presentation.pptx
@@ -324,6 +324,11 @@
       </a:defRPr>
     </a:lvl9pPr>
   </p:defaultTextStyle>
+  <p:extLst>
+    <p:ext uri="{EFAFB233-063F-42B5-8137-9DF3F51BA10A}">
+      <p15:sldGuideLst xmlns:p15="http://schemas.microsoft.com/office/powerpoint/2012/main"/>
+    </p:ext>
+  </p:extLst>
 </p:presentation>
 </file>
 
@@ -2055,7 +2060,7 @@
           </a:ln>
           <a:extLst>
             <a:ext uri="{C572A759-6A51-4108-AA02-DFA0A04FC94B}">
-              <ma14:wrappingTextBoxFlag xmlns:ma14="http://schemas.microsoft.com/office/mac/drawingml/2011/main" xmlns:a14="http://schemas.microsoft.com/office/drawing/2010/main" xmlns:m="http://schemas.openxmlformats.org/officeDocument/2006/math" xmlns="" val="1"/>
+              <ma14:wrappingTextBoxFlag xmlns="" xmlns:m="http://schemas.openxmlformats.org/officeDocument/2006/math" xmlns:a14="http://schemas.microsoft.com/office/drawing/2010/main" xmlns:ma14="http://schemas.microsoft.com/office/mac/drawingml/2011/main" val="1"/>
             </a:ext>
           </a:extLst>
         </p:spPr>
@@ -2094,7 +2099,7 @@
           </a:ln>
           <a:extLst>
             <a:ext uri="{C572A759-6A51-4108-AA02-DFA0A04FC94B}">
-              <ma14:wrappingTextBoxFlag xmlns:ma14="http://schemas.microsoft.com/office/mac/drawingml/2011/main" xmlns:a14="http://schemas.microsoft.com/office/drawing/2010/main" xmlns:m="http://schemas.openxmlformats.org/officeDocument/2006/math" xmlns="" val="1"/>
+              <ma14:wrappingTextBoxFlag xmlns="" xmlns:m="http://schemas.openxmlformats.org/officeDocument/2006/math" xmlns:a14="http://schemas.microsoft.com/office/drawing/2010/main" xmlns:ma14="http://schemas.microsoft.com/office/mac/drawingml/2011/main" val="1"/>
             </a:ext>
           </a:extLst>
         </p:spPr>
@@ -2922,6 +2927,42 @@
           <a:chExt cx="0" cy="0"/>
         </a:xfrm>
       </p:grpSpPr>
+      <p:pic>
+        <p:nvPicPr>
+          <p:cNvPr id="3" name="Image 2" descr="Une image contenant capture d’écran, ordinateur, portable&#10;&#10;Description générée automatiquement">
+            <a:extLst>
+              <a:ext uri="{FF2B5EF4-FFF2-40B4-BE49-F238E27FC236}">
+                <a16:creationId xmlns:a16="http://schemas.microsoft.com/office/drawing/2014/main" id="{61567275-BD7E-48B4-BF99-C49978A2D22E}"/>
+              </a:ext>
+            </a:extLst>
+          </p:cNvPr>
+          <p:cNvPicPr>
+            <a:picLocks noChangeAspect="1"/>
+          </p:cNvPicPr>
+          <p:nvPr/>
+        </p:nvPicPr>
+        <p:blipFill rotWithShape="1">
+          <a:blip r:embed="rId2" cstate="print">
+            <a:alphaModFix amt="35000"/>
+            <a:extLst>
+              <a:ext uri="{28A0092B-C50C-407E-A947-70E740481C1C}">
+                <a14:useLocalDpi xmlns:a14="http://schemas.microsoft.com/office/drawing/2010/main" val="0"/>
+              </a:ext>
+            </a:extLst>
+          </a:blip>
+          <a:srcRect b="6026"/>
+          <a:stretch/>
+        </p:blipFill>
+        <p:spPr>
+          <a:xfrm>
+            <a:off x="116" y="66"/>
+            <a:ext cx="12191767" cy="6444576"/>
+          </a:xfrm>
+          <a:prstGeom prst="rect">
+            <a:avLst/>
+          </a:prstGeom>
+        </p:spPr>
+      </p:pic>
       <p:sp>
         <p:nvSpPr>
           <p:cNvPr id="94" name="TD 04,…"/>
@@ -2941,7 +2982,7 @@
           </a:ln>
           <a:extLst>
             <a:ext uri="{C572A759-6A51-4108-AA02-DFA0A04FC94B}">
-              <ma14:wrappingTextBoxFlag xmlns:ma14="http://schemas.microsoft.com/office/mac/drawingml/2011/main" xmlns:a14="http://schemas.microsoft.com/office/drawing/2010/main" xmlns:m="http://schemas.openxmlformats.org/officeDocument/2006/math" xmlns="" val="1"/>
+              <ma14:wrappingTextBoxFlag xmlns="" xmlns:m="http://schemas.openxmlformats.org/officeDocument/2006/math" xmlns:a14="http://schemas.microsoft.com/office/drawing/2010/main" xmlns:ma14="http://schemas.microsoft.com/office/mac/drawingml/2011/main" val="1"/>
             </a:ext>
           </a:extLst>
         </p:spPr>
@@ -2963,6 +3004,7 @@
               </a:defRPr>
             </a:pPr>
             <a:r>
+              <a:rPr b="1" dirty="0"/>
               <a:t>TD 04, </a:t>
             </a:r>
           </a:p>
@@ -2979,7 +3021,16 @@
               </a:defRPr>
             </a:pPr>
             <a:r>
-              <a:t>Gestion informatique </a:t>
+              <a:rPr b="1" dirty="0"/>
+              <a:t>Gestion </a:t>
+            </a:r>
+            <a:r>
+              <a:rPr b="1" dirty="0" err="1"/>
+              <a:t>informatique</a:t>
+            </a:r>
+            <a:r>
+              <a:rPr b="1" dirty="0"/>
+              <a:t> </a:t>
             </a:r>
           </a:p>
           <a:p>
@@ -2995,7 +3046,24 @@
               </a:defRPr>
             </a:pPr>
             <a:r>
-              <a:t>de l’emploi du temps d’une école</a:t>
+              <a:rPr b="1" dirty="0"/>
+              <a:t>de </a:t>
+            </a:r>
+            <a:r>
+              <a:rPr b="1" dirty="0" err="1"/>
+              <a:t>l’emploi</a:t>
+            </a:r>
+            <a:r>
+              <a:rPr b="1" dirty="0"/>
+              <a:t> du temps </a:t>
+            </a:r>
+            <a:r>
+              <a:rPr b="1" dirty="0" err="1"/>
+              <a:t>d’une</a:t>
+            </a:r>
+            <a:r>
+              <a:rPr b="1" dirty="0"/>
+              <a:t> école</a:t>
             </a:r>
           </a:p>
         </p:txBody>
@@ -3019,7 +3087,7 @@
           </a:ln>
           <a:extLst>
             <a:ext uri="{C572A759-6A51-4108-AA02-DFA0A04FC94B}">
-              <ma14:wrappingTextBoxFlag xmlns:ma14="http://schemas.microsoft.com/office/mac/drawingml/2011/main" xmlns:a14="http://schemas.microsoft.com/office/drawing/2010/main" xmlns:m="http://schemas.openxmlformats.org/officeDocument/2006/math" xmlns="" val="1"/>
+              <ma14:wrappingTextBoxFlag xmlns="" xmlns:m="http://schemas.openxmlformats.org/officeDocument/2006/math" xmlns:a14="http://schemas.microsoft.com/office/drawing/2010/main" xmlns:ma14="http://schemas.microsoft.com/office/mac/drawingml/2011/main" val="1"/>
             </a:ext>
           </a:extLst>
         </p:spPr>
@@ -3074,7 +3142,7 @@
           </a:ln>
           <a:extLst>
             <a:ext uri="{C572A759-6A51-4108-AA02-DFA0A04FC94B}">
-              <ma14:wrappingTextBoxFlag xmlns:ma14="http://schemas.microsoft.com/office/mac/drawingml/2011/main" xmlns:a14="http://schemas.microsoft.com/office/drawing/2010/main" xmlns:m="http://schemas.openxmlformats.org/officeDocument/2006/math" xmlns="" val="1"/>
+              <ma14:wrappingTextBoxFlag xmlns="" xmlns:m="http://schemas.openxmlformats.org/officeDocument/2006/math" xmlns:a14="http://schemas.microsoft.com/office/drawing/2010/main" xmlns:ma14="http://schemas.microsoft.com/office/mac/drawingml/2011/main" val="1"/>
             </a:ext>
           </a:extLst>
         </p:spPr>
@@ -3125,7 +3193,7 @@
           </a:prstGeom>
           <a:extLst>
             <a:ext uri="{C572A759-6A51-4108-AA02-DFA0A04FC94B}">
-              <ma14:wrappingTextBoxFlag xmlns:ma14="http://schemas.microsoft.com/office/mac/drawingml/2011/main" xmlns:a14="http://schemas.microsoft.com/office/drawing/2010/main" xmlns:m="http://schemas.openxmlformats.org/officeDocument/2006/math" xmlns="" val="1"/>
+              <ma14:wrappingTextBoxFlag xmlns="" xmlns:m="http://schemas.openxmlformats.org/officeDocument/2006/math" xmlns:a14="http://schemas.microsoft.com/office/drawing/2010/main" xmlns:ma14="http://schemas.microsoft.com/office/mac/drawingml/2011/main" val="1"/>
             </a:ext>
           </a:extLst>
         </p:spPr>
@@ -7350,7 +7418,7 @@
           <p:nvPr>
             <p:extLst>
               <p:ext uri="{D42A27DB-BD31-4B8C-83A1-F6EECF244321}">
-                <p14:modId xmlns:p14="http://schemas.microsoft.com/office/powerpoint/2010/main" val="1918491172"/>
+                <p14:modId xmlns:p14="http://schemas.microsoft.com/office/powerpoint/2010/main" val="1981216707"/>
               </p:ext>
             </p:extLst>
           </p:nvPr>
@@ -7443,6 +7511,7 @@
                     <a:bodyPr/>
                     <a:lstStyle/>
                     <a:p>
+                      <a:pPr algn="just"/>
                       <a:r>
                         <a:rPr lang="fr-FR" sz="1600" dirty="0"/>
                         <a:t>Un maximum d’objectif a été réalisé</a:t>
@@ -7456,6 +7525,7 @@
                     <a:bodyPr/>
                     <a:lstStyle/>
                     <a:p>
+                      <a:pPr algn="just"/>
                       <a:r>
                         <a:rPr lang="fr-FR" sz="1600" dirty="0"/>
                         <a:t>La communication</a:t>
@@ -7469,6 +7539,7 @@
                     <a:bodyPr/>
                     <a:lstStyle/>
                     <a:p>
+                      <a:pPr algn="just"/>
                       <a:r>
                         <a:rPr lang="fr-FR" sz="1600" dirty="0"/>
                         <a:t>S’adapter plus rapidement au niveau de nouvelles notions</a:t>
@@ -7489,6 +7560,7 @@
                     <a:bodyPr/>
                     <a:lstStyle/>
                     <a:p>
+                      <a:pPr algn="just"/>
                       <a:r>
                         <a:rPr lang="fr-FR" sz="1600" dirty="0"/>
                         <a:t>Participation intensive de tout les membres</a:t>
@@ -7502,6 +7574,7 @@
                     <a:bodyPr/>
                     <a:lstStyle/>
                     <a:p>
+                      <a:pPr algn="just"/>
                       <a:r>
                         <a:rPr lang="fr-FR" sz="1600" dirty="0"/>
                         <a:t>L’organisation pour la réalisation du projet</a:t>
@@ -7515,6 +7588,7 @@
                     <a:bodyPr/>
                     <a:lstStyle/>
                     <a:p>
+                      <a:pPr algn="just"/>
                       <a:r>
                         <a:rPr lang="fr-FR" sz="1600" dirty="0"/>
                         <a:t>Un temps plus long ou des cours sur les nouvelles notions pour le projet </a:t>
@@ -7535,6 +7609,7 @@
                     <a:bodyPr/>
                     <a:lstStyle/>
                     <a:p>
+                      <a:pPr algn="just"/>
                       <a:endParaRPr lang="fr-FR" sz="1600"/>
                     </a:p>
                   </a:txBody>
@@ -7545,12 +7620,14 @@
                     <a:bodyPr/>
                     <a:lstStyle/>
                     <a:p>
+                      <a:pPr algn="just"/>
                       <a:r>
                         <a:rPr lang="fr-FR" sz="1600" dirty="0"/>
                         <a:t>Connaissance plus approfondi du langage Java :</a:t>
                       </a:r>
                     </a:p>
                     <a:p>
+                      <a:pPr algn="just"/>
                       <a:r>
                         <a:rPr lang="fr-FR" sz="1600" dirty="0"/>
                         <a:t>Design, base de données</a:t>
@@ -7564,6 +7641,7 @@
                     <a:bodyPr/>
                     <a:lstStyle/>
                     <a:p>
+                      <a:pPr algn="just"/>
                       <a:endParaRPr lang="fr-FR" sz="1600" dirty="0"/>
                     </a:p>
                   </a:txBody>
@@ -8283,7 +8361,7 @@
           </a:ln>
           <a:extLst>
             <a:ext uri="{C572A759-6A51-4108-AA02-DFA0A04FC94B}">
-              <ma14:wrappingTextBoxFlag xmlns:ma14="http://schemas.microsoft.com/office/mac/drawingml/2011/main" xmlns:a14="http://schemas.microsoft.com/office/drawing/2010/main" xmlns:m="http://schemas.openxmlformats.org/officeDocument/2006/math" xmlns="" val="1"/>
+              <ma14:wrappingTextBoxFlag xmlns="" xmlns:m="http://schemas.openxmlformats.org/officeDocument/2006/math" xmlns:a14="http://schemas.microsoft.com/office/drawing/2010/main" xmlns:ma14="http://schemas.microsoft.com/office/mac/drawingml/2011/main" val="1"/>
             </a:ext>
           </a:extLst>
         </p:spPr>
@@ -8330,7 +8408,7 @@
           </a:ln>
           <a:extLst>
             <a:ext uri="{C572A759-6A51-4108-AA02-DFA0A04FC94B}">
-              <ma14:wrappingTextBoxFlag xmlns:ma14="http://schemas.microsoft.com/office/mac/drawingml/2011/main" xmlns:a14="http://schemas.microsoft.com/office/drawing/2010/main" xmlns:m="http://schemas.openxmlformats.org/officeDocument/2006/math" xmlns="" val="1"/>
+              <ma14:wrappingTextBoxFlag xmlns="" xmlns:m="http://schemas.openxmlformats.org/officeDocument/2006/math" xmlns:a14="http://schemas.microsoft.com/office/drawing/2010/main" xmlns:ma14="http://schemas.microsoft.com/office/mac/drawingml/2011/main" val="1"/>
             </a:ext>
           </a:extLst>
         </p:spPr>
